--- a/Slides/The Gilded Rose.pptx
+++ b/Slides/The Gilded Rose.pptx
@@ -245,7 +245,7 @@
               <a:rPr lang="en-US" smtClean="0">
                 <a:latin typeface="Segoe UI" pitchFamily="34" charset="0"/>
               </a:rPr>
-              <a:t>10/7/2021 8:29 PM</a:t>
+              <a:t>10/15/2021 9:42 AM</a:t>
             </a:fld>
             <a:endParaRPr lang="en-US" dirty="0">
               <a:latin typeface="Segoe UI" pitchFamily="34" charset="0"/>
@@ -523,7 +523,7 @@
           <a:p>
             <a:fld id="{386CE63F-9E7F-4C04-9D0D-FCA25A8E9E86}" type="datetime8">
               <a:rPr lang="en-US" smtClean="0"/>
-              <a:t>10/7/2021 8:29 PM</a:t>
+              <a:t>10/15/2021 9:41 AM</a:t>
             </a:fld>
             <a:endParaRPr lang="en-US" dirty="0"/>
           </a:p>
@@ -890,7 +890,7 @@
           <a:p>
             <a:fld id="{321E5A7B-BB8D-4368-A182-109669521632}" type="datetime8">
               <a:rPr lang="en-US" smtClean="0"/>
-              <a:t>10/7/2021 8:29 PM</a:t>
+              <a:t>10/15/2021 9:41 AM</a:t>
             </a:fld>
             <a:endParaRPr lang="en-US" dirty="0"/>
           </a:p>
@@ -4909,13 +4909,13 @@
   <p:clrMapOvr>
     <a:overrideClrMapping bg1="dk1" tx1="lt1" bg2="dk2" tx2="lt2" accent1="accent1" accent2="accent2" accent3="accent3" accent4="accent4" accent5="accent5" accent6="accent6" hlink="hlink" folHlink="folHlink"/>
   </p:clrMapOvr>
-  <mc:AlternateContent xmlns:mc="http://schemas.openxmlformats.org/markup-compatibility/2006">
-    <mc:Choice xmlns:p14="http://schemas.microsoft.com/office/powerpoint/2010/main" Requires="p14">
+  <mc:AlternateContent xmlns:mc="http://schemas.openxmlformats.org/markup-compatibility/2006" xmlns:p14="http://schemas.microsoft.com/office/powerpoint/2010/main">
+    <mc:Choice Requires="p14">
       <p:transition spd="med" p14:dur="700">
         <p:fade/>
       </p:transition>
     </mc:Choice>
-    <mc:Fallback>
+    <mc:Fallback xmlns="">
       <p:transition spd="med">
         <p:fade/>
       </p:transition>
@@ -56426,7 +56426,7 @@
         <p:spPr>
           <a:xfrm>
             <a:off x="582042" y="3962400"/>
-            <a:ext cx="4164583" cy="1354217"/>
+            <a:ext cx="4164583" cy="1015663"/>
           </a:xfrm>
         </p:spPr>
         <p:txBody>
@@ -56446,21 +56446,10 @@
           </a:p>
           <a:p>
             <a:r>
-              <a:rPr lang="en-US" dirty="0"/>
+              <a:rPr lang="en-US"/>
               <a:t>ITU</a:t>
             </a:r>
-          </a:p>
-          <a:p>
-            <a:r>
-              <a:rPr lang="en-US" dirty="0">
-                <a:hlinkClick r:id="rId3"/>
-              </a:rPr>
-              <a:t>rnie@itu.dk</a:t>
-            </a:r>
-            <a:r>
-              <a:rPr lang="en-US" dirty="0"/>
-              <a:t> </a:t>
-            </a:r>
+            <a:endParaRPr lang="en-US" dirty="0"/>
           </a:p>
         </p:txBody>
       </p:sp>
@@ -56474,13 +56463,13 @@
   <p:clrMapOvr>
     <a:masterClrMapping/>
   </p:clrMapOvr>
-  <mc:AlternateContent xmlns:mc="http://schemas.openxmlformats.org/markup-compatibility/2006">
-    <mc:Choice xmlns:p14="http://schemas.microsoft.com/office/powerpoint/2010/main" Requires="p14">
+  <mc:AlternateContent xmlns:mc="http://schemas.openxmlformats.org/markup-compatibility/2006" xmlns:p14="http://schemas.microsoft.com/office/powerpoint/2010/main">
+    <mc:Choice Requires="p14">
       <p:transition spd="med" p14:dur="700">
         <p:fade/>
       </p:transition>
     </mc:Choice>
-    <mc:Fallback>
+    <mc:Fallback xmlns="">
       <p:transition spd="med">
         <p:fade/>
       </p:transition>
@@ -57949,13 +57938,13 @@
   <p:clrMapOvr>
     <a:masterClrMapping/>
   </p:clrMapOvr>
-  <mc:AlternateContent xmlns:mc="http://schemas.openxmlformats.org/markup-compatibility/2006">
-    <mc:Choice xmlns:p14="http://schemas.microsoft.com/office/powerpoint/2010/main" Requires="p14">
+  <mc:AlternateContent xmlns:mc="http://schemas.openxmlformats.org/markup-compatibility/2006" xmlns:p14="http://schemas.microsoft.com/office/powerpoint/2010/main">
+    <mc:Choice Requires="p14">
       <p:transition spd="med" p14:dur="700">
         <p:fade/>
       </p:transition>
     </mc:Choice>
-    <mc:Fallback>
+    <mc:Fallback xmlns="">
       <p:transition spd="med">
         <p:fade/>
       </p:transition>
